--- a/1221-debug.pptx
+++ b/1221-debug.pptx
@@ -1,18 +1,23 @@
 
 <file path=ppt/presentation.xml><?xml version="1.0" encoding="utf-8"?>
-<p:presentation xmlns:a="http://schemas.openxmlformats.org/drawingml/2006/main" xmlns:r="http://schemas.openxmlformats.org/officeDocument/2006/relationships" xmlns:p="http://schemas.openxmlformats.org/presentationml/2006/main" saveSubsetFonts="1">
+<p:presentation xmlns:a="http://schemas.openxmlformats.org/drawingml/2006/main" xmlns:r="http://schemas.openxmlformats.org/officeDocument/2006/relationships" xmlns:p="http://schemas.openxmlformats.org/presentationml/2006/main">
   <p:sldMasterIdLst>
     <p:sldMasterId id="2147483648" r:id="rId1"/>
   </p:sldMasterIdLst>
   <p:sldIdLst>
-    <p:sldId id="256" r:id="rId2"/>
-    <p:sldId id="257" r:id="rId3"/>
-    <p:sldId id="258" r:id="rId4"/>
-    <p:sldId id="259" r:id="rId5"/>
-    <p:sldId id="260" r:id="rId6"/>
-    <p:sldId id="261" r:id="rId7"/>
-    <p:sldId id="262" r:id="rId8"/>
-    <p:sldId id="263" r:id="rId9"/>
+    <p:sldId id="256" r:id="rId3"/>
+    <p:sldId id="257" r:id="rId4"/>
+    <p:sldId id="258" r:id="rId5"/>
+    <p:sldId id="259" r:id="rId6"/>
+    <p:sldId id="260" r:id="rId7"/>
+    <p:sldId id="261" r:id="rId8"/>
+    <p:sldId id="262" r:id="rId9"/>
+    <p:sldId id="263" r:id="rId10"/>
+    <p:sldId id="264" r:id="rId11"/>
+    <p:sldId id="265" r:id="rId12"/>
+    <p:sldId id="266" r:id="rId13"/>
+    <p:sldId id="267" r:id="rId14"/>
+    <p:sldId id="268" r:id="rId15"/>
   </p:sldIdLst>
   <p:sldSz cx="12192000" cy="6858000"/>
   <p:notesSz cx="6858000" cy="9144000"/>
@@ -111,11 +116,6 @@
       </a:defRPr>
     </a:lvl9pPr>
   </p:defaultTextStyle>
-  <p:extLst>
-    <p:ext uri="{EFAFB233-063F-42B5-8137-9DF3F51BA10A}">
-      <p15:sldGuideLst xmlns:p15="http://schemas.microsoft.com/office/powerpoint/2012/main"/>
-    </p:ext>
-  </p:extLst>
 </p:presentation>
 </file>
 
@@ -175,7 +175,7 @@
             <a:spLocks noGrp="1"/>
           </p:cNvSpPr>
           <p:nvPr>
-            <p:ph type="subTitle" idx="1"/>
+            <p:ph type="subTitle" idx="1" hasCustomPrompt="1"/>
           </p:nvPr>
         </p:nvSpPr>
         <p:spPr>
@@ -250,7 +250,6 @@
           <a:p>
             <a:fld id="{5DC6846A-81BA-4CFD-8854-E96001440D28}" type="datetimeFigureOut">
               <a:rPr lang="zh-CN" altLang="en-US" smtClean="0"/>
-              <a:t>2020/12/21/Monday</a:t>
             </a:fld>
             <a:endParaRPr lang="zh-CN" altLang="en-US"/>
           </a:p>
@@ -292,18 +291,12 @@
           <a:p>
             <a:fld id="{886F39CC-BD3C-462D-9B82-68929E3A3A5D}" type="slidenum">
               <a:rPr lang="zh-CN" altLang="en-US" smtClean="0"/>
-              <a:t>‹#›</a:t>
             </a:fld>
             <a:endParaRPr lang="zh-CN" altLang="en-US"/>
           </a:p>
         </p:txBody>
       </p:sp>
     </p:spTree>
-    <p:extLst>
-      <p:ext uri="{BB962C8B-B14F-4D97-AF65-F5344CB8AC3E}">
-        <p14:creationId xmlns:p14="http://schemas.microsoft.com/office/powerpoint/2010/main" val="3318949403"/>
-      </p:ext>
-    </p:extLst>
   </p:cSld>
   <p:clrMapOvr>
     <a:masterClrMapping/>
@@ -358,7 +351,7 @@
             <a:spLocks noGrp="1"/>
           </p:cNvSpPr>
           <p:nvPr>
-            <p:ph type="body" orient="vert" idx="1"/>
+            <p:ph type="body" orient="vert" idx="1" hasCustomPrompt="1"/>
           </p:nvPr>
         </p:nvSpPr>
         <p:spPr/>
@@ -371,6 +364,7 @@
               <a:rPr lang="zh-CN" altLang="en-US" smtClean="0"/>
               <a:t>编辑母版文本样式</a:t>
             </a:r>
+            <a:endParaRPr lang="zh-CN" altLang="en-US" smtClean="0"/>
           </a:p>
           <a:p>
             <a:pPr lvl="1"/>
@@ -378,6 +372,7 @@
               <a:rPr lang="zh-CN" altLang="en-US" smtClean="0"/>
               <a:t>第二级</a:t>
             </a:r>
+            <a:endParaRPr lang="zh-CN" altLang="en-US" smtClean="0"/>
           </a:p>
           <a:p>
             <a:pPr lvl="2"/>
@@ -385,6 +380,7 @@
               <a:rPr lang="zh-CN" altLang="en-US" smtClean="0"/>
               <a:t>第三级</a:t>
             </a:r>
+            <a:endParaRPr lang="zh-CN" altLang="en-US" smtClean="0"/>
           </a:p>
           <a:p>
             <a:pPr lvl="3"/>
@@ -392,6 +388,7 @@
               <a:rPr lang="zh-CN" altLang="en-US" smtClean="0"/>
               <a:t>第四级</a:t>
             </a:r>
+            <a:endParaRPr lang="zh-CN" altLang="en-US" smtClean="0"/>
           </a:p>
           <a:p>
             <a:pPr lvl="4"/>
@@ -420,7 +417,6 @@
           <a:p>
             <a:fld id="{5DC6846A-81BA-4CFD-8854-E96001440D28}" type="datetimeFigureOut">
               <a:rPr lang="zh-CN" altLang="en-US" smtClean="0"/>
-              <a:t>2020/12/21/Monday</a:t>
             </a:fld>
             <a:endParaRPr lang="zh-CN" altLang="en-US"/>
           </a:p>
@@ -462,18 +458,12 @@
           <a:p>
             <a:fld id="{886F39CC-BD3C-462D-9B82-68929E3A3A5D}" type="slidenum">
               <a:rPr lang="zh-CN" altLang="en-US" smtClean="0"/>
-              <a:t>‹#›</a:t>
             </a:fld>
             <a:endParaRPr lang="zh-CN" altLang="en-US"/>
           </a:p>
         </p:txBody>
       </p:sp>
     </p:spTree>
-    <p:extLst>
-      <p:ext uri="{BB962C8B-B14F-4D97-AF65-F5344CB8AC3E}">
-        <p14:creationId xmlns:p14="http://schemas.microsoft.com/office/powerpoint/2010/main" val="471735078"/>
-      </p:ext>
-    </p:extLst>
   </p:cSld>
   <p:clrMapOvr>
     <a:masterClrMapping/>
@@ -533,7 +523,7 @@
             <a:spLocks noGrp="1"/>
           </p:cNvSpPr>
           <p:nvPr>
-            <p:ph type="body" orient="vert" idx="1"/>
+            <p:ph type="body" orient="vert" idx="1" hasCustomPrompt="1"/>
           </p:nvPr>
         </p:nvSpPr>
         <p:spPr>
@@ -551,6 +541,7 @@
               <a:rPr lang="zh-CN" altLang="en-US" smtClean="0"/>
               <a:t>编辑母版文本样式</a:t>
             </a:r>
+            <a:endParaRPr lang="zh-CN" altLang="en-US" smtClean="0"/>
           </a:p>
           <a:p>
             <a:pPr lvl="1"/>
@@ -558,6 +549,7 @@
               <a:rPr lang="zh-CN" altLang="en-US" smtClean="0"/>
               <a:t>第二级</a:t>
             </a:r>
+            <a:endParaRPr lang="zh-CN" altLang="en-US" smtClean="0"/>
           </a:p>
           <a:p>
             <a:pPr lvl="2"/>
@@ -565,6 +557,7 @@
               <a:rPr lang="zh-CN" altLang="en-US" smtClean="0"/>
               <a:t>第三级</a:t>
             </a:r>
+            <a:endParaRPr lang="zh-CN" altLang="en-US" smtClean="0"/>
           </a:p>
           <a:p>
             <a:pPr lvl="3"/>
@@ -572,6 +565,7 @@
               <a:rPr lang="zh-CN" altLang="en-US" smtClean="0"/>
               <a:t>第四级</a:t>
             </a:r>
+            <a:endParaRPr lang="zh-CN" altLang="en-US" smtClean="0"/>
           </a:p>
           <a:p>
             <a:pPr lvl="4"/>
@@ -600,7 +594,6 @@
           <a:p>
             <a:fld id="{5DC6846A-81BA-4CFD-8854-E96001440D28}" type="datetimeFigureOut">
               <a:rPr lang="zh-CN" altLang="en-US" smtClean="0"/>
-              <a:t>2020/12/21/Monday</a:t>
             </a:fld>
             <a:endParaRPr lang="zh-CN" altLang="en-US"/>
           </a:p>
@@ -642,18 +635,12 @@
           <a:p>
             <a:fld id="{886F39CC-BD3C-462D-9B82-68929E3A3A5D}" type="slidenum">
               <a:rPr lang="zh-CN" altLang="en-US" smtClean="0"/>
-              <a:t>‹#›</a:t>
             </a:fld>
             <a:endParaRPr lang="zh-CN" altLang="en-US"/>
           </a:p>
         </p:txBody>
       </p:sp>
     </p:spTree>
-    <p:extLst>
-      <p:ext uri="{BB962C8B-B14F-4D97-AF65-F5344CB8AC3E}">
-        <p14:creationId xmlns:p14="http://schemas.microsoft.com/office/powerpoint/2010/main" val="2269684972"/>
-      </p:ext>
-    </p:extLst>
   </p:cSld>
   <p:clrMapOvr>
     <a:masterClrMapping/>
@@ -708,7 +695,7 @@
             <a:spLocks noGrp="1"/>
           </p:cNvSpPr>
           <p:nvPr>
-            <p:ph idx="1"/>
+            <p:ph idx="1" hasCustomPrompt="1"/>
           </p:nvPr>
         </p:nvSpPr>
         <p:spPr/>
@@ -721,6 +708,7 @@
               <a:rPr lang="zh-CN" altLang="en-US" smtClean="0"/>
               <a:t>编辑母版文本样式</a:t>
             </a:r>
+            <a:endParaRPr lang="zh-CN" altLang="en-US" smtClean="0"/>
           </a:p>
           <a:p>
             <a:pPr lvl="1"/>
@@ -728,6 +716,7 @@
               <a:rPr lang="zh-CN" altLang="en-US" smtClean="0"/>
               <a:t>第二级</a:t>
             </a:r>
+            <a:endParaRPr lang="zh-CN" altLang="en-US" smtClean="0"/>
           </a:p>
           <a:p>
             <a:pPr lvl="2"/>
@@ -735,6 +724,7 @@
               <a:rPr lang="zh-CN" altLang="en-US" smtClean="0"/>
               <a:t>第三级</a:t>
             </a:r>
+            <a:endParaRPr lang="zh-CN" altLang="en-US" smtClean="0"/>
           </a:p>
           <a:p>
             <a:pPr lvl="3"/>
@@ -742,6 +732,7 @@
               <a:rPr lang="zh-CN" altLang="en-US" smtClean="0"/>
               <a:t>第四级</a:t>
             </a:r>
+            <a:endParaRPr lang="zh-CN" altLang="en-US" smtClean="0"/>
           </a:p>
           <a:p>
             <a:pPr lvl="4"/>
@@ -770,7 +761,6 @@
           <a:p>
             <a:fld id="{5DC6846A-81BA-4CFD-8854-E96001440D28}" type="datetimeFigureOut">
               <a:rPr lang="zh-CN" altLang="en-US" smtClean="0"/>
-              <a:t>2020/12/21/Monday</a:t>
             </a:fld>
             <a:endParaRPr lang="zh-CN" altLang="en-US"/>
           </a:p>
@@ -812,18 +802,12 @@
           <a:p>
             <a:fld id="{886F39CC-BD3C-462D-9B82-68929E3A3A5D}" type="slidenum">
               <a:rPr lang="zh-CN" altLang="en-US" smtClean="0"/>
-              <a:t>‹#›</a:t>
             </a:fld>
             <a:endParaRPr lang="zh-CN" altLang="en-US"/>
           </a:p>
         </p:txBody>
       </p:sp>
     </p:spTree>
-    <p:extLst>
-      <p:ext uri="{BB962C8B-B14F-4D97-AF65-F5344CB8AC3E}">
-        <p14:creationId xmlns:p14="http://schemas.microsoft.com/office/powerpoint/2010/main" val="3164659277"/>
-      </p:ext>
-    </p:extLst>
   </p:cSld>
   <p:clrMapOvr>
     <a:masterClrMapping/>
@@ -887,7 +871,7 @@
             <a:spLocks noGrp="1"/>
           </p:cNvSpPr>
           <p:nvPr>
-            <p:ph type="body" idx="1"/>
+            <p:ph type="body" idx="1" hasCustomPrompt="1"/>
           </p:nvPr>
         </p:nvSpPr>
         <p:spPr>
@@ -996,6 +980,7 @@
               <a:rPr lang="zh-CN" altLang="en-US" smtClean="0"/>
               <a:t>编辑母版文本样式</a:t>
             </a:r>
+            <a:endParaRPr lang="zh-CN" altLang="en-US" smtClean="0"/>
           </a:p>
         </p:txBody>
       </p:sp>
@@ -1016,7 +1001,6 @@
           <a:p>
             <a:fld id="{5DC6846A-81BA-4CFD-8854-E96001440D28}" type="datetimeFigureOut">
               <a:rPr lang="zh-CN" altLang="en-US" smtClean="0"/>
-              <a:t>2020/12/21/Monday</a:t>
             </a:fld>
             <a:endParaRPr lang="zh-CN" altLang="en-US"/>
           </a:p>
@@ -1058,18 +1042,12 @@
           <a:p>
             <a:fld id="{886F39CC-BD3C-462D-9B82-68929E3A3A5D}" type="slidenum">
               <a:rPr lang="zh-CN" altLang="en-US" smtClean="0"/>
-              <a:t>‹#›</a:t>
             </a:fld>
             <a:endParaRPr lang="zh-CN" altLang="en-US"/>
           </a:p>
         </p:txBody>
       </p:sp>
     </p:spTree>
-    <p:extLst>
-      <p:ext uri="{BB962C8B-B14F-4D97-AF65-F5344CB8AC3E}">
-        <p14:creationId xmlns:p14="http://schemas.microsoft.com/office/powerpoint/2010/main" val="194382665"/>
-      </p:ext>
-    </p:extLst>
   </p:cSld>
   <p:clrMapOvr>
     <a:masterClrMapping/>
@@ -1124,7 +1102,7 @@
             <a:spLocks noGrp="1"/>
           </p:cNvSpPr>
           <p:nvPr>
-            <p:ph sz="half" idx="1"/>
+            <p:ph sz="half" idx="1" hasCustomPrompt="1"/>
           </p:nvPr>
         </p:nvSpPr>
         <p:spPr>
@@ -1142,6 +1120,7 @@
               <a:rPr lang="zh-CN" altLang="en-US" smtClean="0"/>
               <a:t>编辑母版文本样式</a:t>
             </a:r>
+            <a:endParaRPr lang="zh-CN" altLang="en-US" smtClean="0"/>
           </a:p>
           <a:p>
             <a:pPr lvl="1"/>
@@ -1149,6 +1128,7 @@
               <a:rPr lang="zh-CN" altLang="en-US" smtClean="0"/>
               <a:t>第二级</a:t>
             </a:r>
+            <a:endParaRPr lang="zh-CN" altLang="en-US" smtClean="0"/>
           </a:p>
           <a:p>
             <a:pPr lvl="2"/>
@@ -1156,6 +1136,7 @@
               <a:rPr lang="zh-CN" altLang="en-US" smtClean="0"/>
               <a:t>第三级</a:t>
             </a:r>
+            <a:endParaRPr lang="zh-CN" altLang="en-US" smtClean="0"/>
           </a:p>
           <a:p>
             <a:pPr lvl="3"/>
@@ -1163,6 +1144,7 @@
               <a:rPr lang="zh-CN" altLang="en-US" smtClean="0"/>
               <a:t>第四级</a:t>
             </a:r>
+            <a:endParaRPr lang="zh-CN" altLang="en-US" smtClean="0"/>
           </a:p>
           <a:p>
             <a:pPr lvl="4"/>
@@ -1181,7 +1163,7 @@
             <a:spLocks noGrp="1"/>
           </p:cNvSpPr>
           <p:nvPr>
-            <p:ph sz="half" idx="2"/>
+            <p:ph sz="half" idx="2" hasCustomPrompt="1"/>
           </p:nvPr>
         </p:nvSpPr>
         <p:spPr>
@@ -1199,6 +1181,7 @@
               <a:rPr lang="zh-CN" altLang="en-US" smtClean="0"/>
               <a:t>编辑母版文本样式</a:t>
             </a:r>
+            <a:endParaRPr lang="zh-CN" altLang="en-US" smtClean="0"/>
           </a:p>
           <a:p>
             <a:pPr lvl="1"/>
@@ -1206,6 +1189,7 @@
               <a:rPr lang="zh-CN" altLang="en-US" smtClean="0"/>
               <a:t>第二级</a:t>
             </a:r>
+            <a:endParaRPr lang="zh-CN" altLang="en-US" smtClean="0"/>
           </a:p>
           <a:p>
             <a:pPr lvl="2"/>
@@ -1213,6 +1197,7 @@
               <a:rPr lang="zh-CN" altLang="en-US" smtClean="0"/>
               <a:t>第三级</a:t>
             </a:r>
+            <a:endParaRPr lang="zh-CN" altLang="en-US" smtClean="0"/>
           </a:p>
           <a:p>
             <a:pPr lvl="3"/>
@@ -1220,6 +1205,7 @@
               <a:rPr lang="zh-CN" altLang="en-US" smtClean="0"/>
               <a:t>第四级</a:t>
             </a:r>
+            <a:endParaRPr lang="zh-CN" altLang="en-US" smtClean="0"/>
           </a:p>
           <a:p>
             <a:pPr lvl="4"/>
@@ -1248,7 +1234,6 @@
           <a:p>
             <a:fld id="{5DC6846A-81BA-4CFD-8854-E96001440D28}" type="datetimeFigureOut">
               <a:rPr lang="zh-CN" altLang="en-US" smtClean="0"/>
-              <a:t>2020/12/21/Monday</a:t>
             </a:fld>
             <a:endParaRPr lang="zh-CN" altLang="en-US"/>
           </a:p>
@@ -1290,18 +1275,12 @@
           <a:p>
             <a:fld id="{886F39CC-BD3C-462D-9B82-68929E3A3A5D}" type="slidenum">
               <a:rPr lang="zh-CN" altLang="en-US" smtClean="0"/>
-              <a:t>‹#›</a:t>
             </a:fld>
             <a:endParaRPr lang="zh-CN" altLang="en-US"/>
           </a:p>
         </p:txBody>
       </p:sp>
     </p:spTree>
-    <p:extLst>
-      <p:ext uri="{BB962C8B-B14F-4D97-AF65-F5344CB8AC3E}">
-        <p14:creationId xmlns:p14="http://schemas.microsoft.com/office/powerpoint/2010/main" val="1804882073"/>
-      </p:ext>
-    </p:extLst>
   </p:cSld>
   <p:clrMapOvr>
     <a:masterClrMapping/>
@@ -1361,7 +1340,7 @@
             <a:spLocks noGrp="1"/>
           </p:cNvSpPr>
           <p:nvPr>
-            <p:ph type="body" idx="1"/>
+            <p:ph type="body" idx="1" hasCustomPrompt="1"/>
           </p:nvPr>
         </p:nvSpPr>
         <p:spPr>
@@ -1416,6 +1395,7 @@
               <a:rPr lang="zh-CN" altLang="en-US" smtClean="0"/>
               <a:t>编辑母版文本样式</a:t>
             </a:r>
+            <a:endParaRPr lang="zh-CN" altLang="en-US" smtClean="0"/>
           </a:p>
         </p:txBody>
       </p:sp>
@@ -1426,7 +1406,7 @@
             <a:spLocks noGrp="1"/>
           </p:cNvSpPr>
           <p:nvPr>
-            <p:ph sz="half" idx="2"/>
+            <p:ph sz="half" idx="2" hasCustomPrompt="1"/>
           </p:nvPr>
         </p:nvSpPr>
         <p:spPr>
@@ -1444,6 +1424,7 @@
               <a:rPr lang="zh-CN" altLang="en-US" smtClean="0"/>
               <a:t>编辑母版文本样式</a:t>
             </a:r>
+            <a:endParaRPr lang="zh-CN" altLang="en-US" smtClean="0"/>
           </a:p>
           <a:p>
             <a:pPr lvl="1"/>
@@ -1451,6 +1432,7 @@
               <a:rPr lang="zh-CN" altLang="en-US" smtClean="0"/>
               <a:t>第二级</a:t>
             </a:r>
+            <a:endParaRPr lang="zh-CN" altLang="en-US" smtClean="0"/>
           </a:p>
           <a:p>
             <a:pPr lvl="2"/>
@@ -1458,6 +1440,7 @@
               <a:rPr lang="zh-CN" altLang="en-US" smtClean="0"/>
               <a:t>第三级</a:t>
             </a:r>
+            <a:endParaRPr lang="zh-CN" altLang="en-US" smtClean="0"/>
           </a:p>
           <a:p>
             <a:pPr lvl="3"/>
@@ -1465,6 +1448,7 @@
               <a:rPr lang="zh-CN" altLang="en-US" smtClean="0"/>
               <a:t>第四级</a:t>
             </a:r>
+            <a:endParaRPr lang="zh-CN" altLang="en-US" smtClean="0"/>
           </a:p>
           <a:p>
             <a:pPr lvl="4"/>
@@ -1483,7 +1467,7 @@
             <a:spLocks noGrp="1"/>
           </p:cNvSpPr>
           <p:nvPr>
-            <p:ph type="body" sz="quarter" idx="3"/>
+            <p:ph type="body" sz="quarter" idx="3" hasCustomPrompt="1"/>
           </p:nvPr>
         </p:nvSpPr>
         <p:spPr>
@@ -1538,6 +1522,7 @@
               <a:rPr lang="zh-CN" altLang="en-US" smtClean="0"/>
               <a:t>编辑母版文本样式</a:t>
             </a:r>
+            <a:endParaRPr lang="zh-CN" altLang="en-US" smtClean="0"/>
           </a:p>
         </p:txBody>
       </p:sp>
@@ -1548,7 +1533,7 @@
             <a:spLocks noGrp="1"/>
           </p:cNvSpPr>
           <p:nvPr>
-            <p:ph sz="quarter" idx="4"/>
+            <p:ph sz="quarter" idx="4" hasCustomPrompt="1"/>
           </p:nvPr>
         </p:nvSpPr>
         <p:spPr>
@@ -1566,6 +1551,7 @@
               <a:rPr lang="zh-CN" altLang="en-US" smtClean="0"/>
               <a:t>编辑母版文本样式</a:t>
             </a:r>
+            <a:endParaRPr lang="zh-CN" altLang="en-US" smtClean="0"/>
           </a:p>
           <a:p>
             <a:pPr lvl="1"/>
@@ -1573,6 +1559,7 @@
               <a:rPr lang="zh-CN" altLang="en-US" smtClean="0"/>
               <a:t>第二级</a:t>
             </a:r>
+            <a:endParaRPr lang="zh-CN" altLang="en-US" smtClean="0"/>
           </a:p>
           <a:p>
             <a:pPr lvl="2"/>
@@ -1580,6 +1567,7 @@
               <a:rPr lang="zh-CN" altLang="en-US" smtClean="0"/>
               <a:t>第三级</a:t>
             </a:r>
+            <a:endParaRPr lang="zh-CN" altLang="en-US" smtClean="0"/>
           </a:p>
           <a:p>
             <a:pPr lvl="3"/>
@@ -1587,6 +1575,7 @@
               <a:rPr lang="zh-CN" altLang="en-US" smtClean="0"/>
               <a:t>第四级</a:t>
             </a:r>
+            <a:endParaRPr lang="zh-CN" altLang="en-US" smtClean="0"/>
           </a:p>
           <a:p>
             <a:pPr lvl="4"/>
@@ -1615,7 +1604,6 @@
           <a:p>
             <a:fld id="{5DC6846A-81BA-4CFD-8854-E96001440D28}" type="datetimeFigureOut">
               <a:rPr lang="zh-CN" altLang="en-US" smtClean="0"/>
-              <a:t>2020/12/21/Monday</a:t>
             </a:fld>
             <a:endParaRPr lang="zh-CN" altLang="en-US"/>
           </a:p>
@@ -1657,18 +1645,12 @@
           <a:p>
             <a:fld id="{886F39CC-BD3C-462D-9B82-68929E3A3A5D}" type="slidenum">
               <a:rPr lang="zh-CN" altLang="en-US" smtClean="0"/>
-              <a:t>‹#›</a:t>
             </a:fld>
             <a:endParaRPr lang="zh-CN" altLang="en-US"/>
           </a:p>
         </p:txBody>
       </p:sp>
     </p:spTree>
-    <p:extLst>
-      <p:ext uri="{BB962C8B-B14F-4D97-AF65-F5344CB8AC3E}">
-        <p14:creationId xmlns:p14="http://schemas.microsoft.com/office/powerpoint/2010/main" val="1989245908"/>
-      </p:ext>
-    </p:extLst>
   </p:cSld>
   <p:clrMapOvr>
     <a:masterClrMapping/>
@@ -1733,7 +1715,6 @@
           <a:p>
             <a:fld id="{5DC6846A-81BA-4CFD-8854-E96001440D28}" type="datetimeFigureOut">
               <a:rPr lang="zh-CN" altLang="en-US" smtClean="0"/>
-              <a:t>2020/12/21/Monday</a:t>
             </a:fld>
             <a:endParaRPr lang="zh-CN" altLang="en-US"/>
           </a:p>
@@ -1775,18 +1756,12 @@
           <a:p>
             <a:fld id="{886F39CC-BD3C-462D-9B82-68929E3A3A5D}" type="slidenum">
               <a:rPr lang="zh-CN" altLang="en-US" smtClean="0"/>
-              <a:t>‹#›</a:t>
             </a:fld>
             <a:endParaRPr lang="zh-CN" altLang="en-US"/>
           </a:p>
         </p:txBody>
       </p:sp>
     </p:spTree>
-    <p:extLst>
-      <p:ext uri="{BB962C8B-B14F-4D97-AF65-F5344CB8AC3E}">
-        <p14:creationId xmlns:p14="http://schemas.microsoft.com/office/powerpoint/2010/main" val="1538251324"/>
-      </p:ext>
-    </p:extLst>
   </p:cSld>
   <p:clrMapOvr>
     <a:masterClrMapping/>
@@ -1828,7 +1803,6 @@
           <a:p>
             <a:fld id="{5DC6846A-81BA-4CFD-8854-E96001440D28}" type="datetimeFigureOut">
               <a:rPr lang="zh-CN" altLang="en-US" smtClean="0"/>
-              <a:t>2020/12/21/Monday</a:t>
             </a:fld>
             <a:endParaRPr lang="zh-CN" altLang="en-US"/>
           </a:p>
@@ -1870,18 +1844,12 @@
           <a:p>
             <a:fld id="{886F39CC-BD3C-462D-9B82-68929E3A3A5D}" type="slidenum">
               <a:rPr lang="zh-CN" altLang="en-US" smtClean="0"/>
-              <a:t>‹#›</a:t>
             </a:fld>
             <a:endParaRPr lang="zh-CN" altLang="en-US"/>
           </a:p>
         </p:txBody>
       </p:sp>
     </p:spTree>
-    <p:extLst>
-      <p:ext uri="{BB962C8B-B14F-4D97-AF65-F5344CB8AC3E}">
-        <p14:creationId xmlns:p14="http://schemas.microsoft.com/office/powerpoint/2010/main" val="1700173553"/>
-      </p:ext>
-    </p:extLst>
   </p:cSld>
   <p:clrMapOvr>
     <a:masterClrMapping/>
@@ -1945,7 +1913,7 @@
             <a:spLocks noGrp="1"/>
           </p:cNvSpPr>
           <p:nvPr>
-            <p:ph idx="1"/>
+            <p:ph idx="1" hasCustomPrompt="1"/>
           </p:nvPr>
         </p:nvSpPr>
         <p:spPr>
@@ -1991,6 +1959,7 @@
               <a:rPr lang="zh-CN" altLang="en-US" smtClean="0"/>
               <a:t>编辑母版文本样式</a:t>
             </a:r>
+            <a:endParaRPr lang="zh-CN" altLang="en-US" smtClean="0"/>
           </a:p>
           <a:p>
             <a:pPr lvl="1"/>
@@ -1998,6 +1967,7 @@
               <a:rPr lang="zh-CN" altLang="en-US" smtClean="0"/>
               <a:t>第二级</a:t>
             </a:r>
+            <a:endParaRPr lang="zh-CN" altLang="en-US" smtClean="0"/>
           </a:p>
           <a:p>
             <a:pPr lvl="2"/>
@@ -2005,6 +1975,7 @@
               <a:rPr lang="zh-CN" altLang="en-US" smtClean="0"/>
               <a:t>第三级</a:t>
             </a:r>
+            <a:endParaRPr lang="zh-CN" altLang="en-US" smtClean="0"/>
           </a:p>
           <a:p>
             <a:pPr lvl="3"/>
@@ -2012,6 +1983,7 @@
               <a:rPr lang="zh-CN" altLang="en-US" smtClean="0"/>
               <a:t>第四级</a:t>
             </a:r>
+            <a:endParaRPr lang="zh-CN" altLang="en-US" smtClean="0"/>
           </a:p>
           <a:p>
             <a:pPr lvl="4"/>
@@ -2030,7 +2002,7 @@
             <a:spLocks noGrp="1"/>
           </p:cNvSpPr>
           <p:nvPr>
-            <p:ph type="body" sz="half" idx="2"/>
+            <p:ph type="body" sz="half" idx="2" hasCustomPrompt="1"/>
           </p:nvPr>
         </p:nvSpPr>
         <p:spPr>
@@ -2085,6 +2057,7 @@
               <a:rPr lang="zh-CN" altLang="en-US" smtClean="0"/>
               <a:t>编辑母版文本样式</a:t>
             </a:r>
+            <a:endParaRPr lang="zh-CN" altLang="en-US" smtClean="0"/>
           </a:p>
         </p:txBody>
       </p:sp>
@@ -2105,7 +2078,6 @@
           <a:p>
             <a:fld id="{5DC6846A-81BA-4CFD-8854-E96001440D28}" type="datetimeFigureOut">
               <a:rPr lang="zh-CN" altLang="en-US" smtClean="0"/>
-              <a:t>2020/12/21/Monday</a:t>
             </a:fld>
             <a:endParaRPr lang="zh-CN" altLang="en-US"/>
           </a:p>
@@ -2147,18 +2119,12 @@
           <a:p>
             <a:fld id="{886F39CC-BD3C-462D-9B82-68929E3A3A5D}" type="slidenum">
               <a:rPr lang="zh-CN" altLang="en-US" smtClean="0"/>
-              <a:t>‹#›</a:t>
             </a:fld>
             <a:endParaRPr lang="zh-CN" altLang="en-US"/>
           </a:p>
         </p:txBody>
       </p:sp>
     </p:spTree>
-    <p:extLst>
-      <p:ext uri="{BB962C8B-B14F-4D97-AF65-F5344CB8AC3E}">
-        <p14:creationId xmlns:p14="http://schemas.microsoft.com/office/powerpoint/2010/main" val="3773676685"/>
-      </p:ext>
-    </p:extLst>
   </p:cSld>
   <p:clrMapOvr>
     <a:masterClrMapping/>
@@ -2283,7 +2249,7 @@
             <a:spLocks noGrp="1"/>
           </p:cNvSpPr>
           <p:nvPr>
-            <p:ph type="body" sz="half" idx="2"/>
+            <p:ph type="body" sz="half" idx="2" hasCustomPrompt="1"/>
           </p:nvPr>
         </p:nvSpPr>
         <p:spPr>
@@ -2338,6 +2304,7 @@
               <a:rPr lang="zh-CN" altLang="en-US" smtClean="0"/>
               <a:t>编辑母版文本样式</a:t>
             </a:r>
+            <a:endParaRPr lang="zh-CN" altLang="en-US" smtClean="0"/>
           </a:p>
         </p:txBody>
       </p:sp>
@@ -2358,7 +2325,6 @@
           <a:p>
             <a:fld id="{5DC6846A-81BA-4CFD-8854-E96001440D28}" type="datetimeFigureOut">
               <a:rPr lang="zh-CN" altLang="en-US" smtClean="0"/>
-              <a:t>2020/12/21/Monday</a:t>
             </a:fld>
             <a:endParaRPr lang="zh-CN" altLang="en-US"/>
           </a:p>
@@ -2400,18 +2366,12 @@
           <a:p>
             <a:fld id="{886F39CC-BD3C-462D-9B82-68929E3A3A5D}" type="slidenum">
               <a:rPr lang="zh-CN" altLang="en-US" smtClean="0"/>
-              <a:t>‹#›</a:t>
             </a:fld>
             <a:endParaRPr lang="zh-CN" altLang="en-US"/>
           </a:p>
         </p:txBody>
       </p:sp>
     </p:spTree>
-    <p:extLst>
-      <p:ext uri="{BB962C8B-B14F-4D97-AF65-F5344CB8AC3E}">
-        <p14:creationId xmlns:p14="http://schemas.microsoft.com/office/powerpoint/2010/main" val="3131704600"/>
-      </p:ext>
-    </p:extLst>
   </p:cSld>
   <p:clrMapOvr>
     <a:masterClrMapping/>
@@ -2504,6 +2464,7 @@
               <a:rPr lang="zh-CN" altLang="en-US" smtClean="0"/>
               <a:t>编辑母版文本样式</a:t>
             </a:r>
+            <a:endParaRPr lang="zh-CN" altLang="en-US" smtClean="0"/>
           </a:p>
           <a:p>
             <a:pPr lvl="1"/>
@@ -2511,6 +2472,7 @@
               <a:rPr lang="zh-CN" altLang="en-US" smtClean="0"/>
               <a:t>第二级</a:t>
             </a:r>
+            <a:endParaRPr lang="zh-CN" altLang="en-US" smtClean="0"/>
           </a:p>
           <a:p>
             <a:pPr lvl="2"/>
@@ -2518,6 +2480,7 @@
               <a:rPr lang="zh-CN" altLang="en-US" smtClean="0"/>
               <a:t>第三级</a:t>
             </a:r>
+            <a:endParaRPr lang="zh-CN" altLang="en-US" smtClean="0"/>
           </a:p>
           <a:p>
             <a:pPr lvl="3"/>
@@ -2525,6 +2488,7 @@
               <a:rPr lang="zh-CN" altLang="en-US" smtClean="0"/>
               <a:t>第四级</a:t>
             </a:r>
+            <a:endParaRPr lang="zh-CN" altLang="en-US" smtClean="0"/>
           </a:p>
           <a:p>
             <a:pPr lvl="4"/>
@@ -2571,7 +2535,6 @@
           <a:p>
             <a:fld id="{5DC6846A-81BA-4CFD-8854-E96001440D28}" type="datetimeFigureOut">
               <a:rPr lang="zh-CN" altLang="en-US" smtClean="0"/>
-              <a:t>2020/12/21/Monday</a:t>
             </a:fld>
             <a:endParaRPr lang="zh-CN" altLang="en-US"/>
           </a:p>
@@ -2649,18 +2612,12 @@
           <a:p>
             <a:fld id="{886F39CC-BD3C-462D-9B82-68929E3A3A5D}" type="slidenum">
               <a:rPr lang="zh-CN" altLang="en-US" smtClean="0"/>
-              <a:t>‹#›</a:t>
             </a:fld>
             <a:endParaRPr lang="zh-CN" altLang="en-US"/>
           </a:p>
         </p:txBody>
       </p:sp>
     </p:spTree>
-    <p:extLst>
-      <p:ext uri="{BB962C8B-B14F-4D97-AF65-F5344CB8AC3E}">
-        <p14:creationId xmlns:p14="http://schemas.microsoft.com/office/powerpoint/2010/main" val="205679675"/>
-      </p:ext>
-    </p:extLst>
   </p:cSld>
   <p:clrMap bg1="lt1" tx1="dk1" bg2="lt2" tx2="dk2" accent1="accent1" accent2="accent2" accent3="accent3" accent4="accent4" accent5="accent5" accent6="accent6" hlink="hlink" folHlink="folHlink"/>
   <p:sldLayoutIdLst>
@@ -2985,7 +2942,7 @@
           <p:nvPr/>
         </p:nvPicPr>
         <p:blipFill>
-          <a:blip r:embed="rId2"/>
+          <a:blip r:embed="rId1"/>
           <a:stretch>
             <a:fillRect/>
           </a:stretch>
@@ -3041,12 +2998,653 @@
           </a:p>
         </p:txBody>
       </p:sp>
+      <p:sp>
+        <p:nvSpPr>
+          <p:cNvPr id="2" name="矩形 1"/>
+          <p:cNvSpPr/>
+          <p:nvPr/>
+        </p:nvSpPr>
+        <p:spPr>
+          <a:xfrm>
+            <a:off x="4955540" y="918845"/>
+            <a:ext cx="5354320" cy="4881880"/>
+          </a:xfrm>
+          <a:prstGeom prst="rect">
+            <a:avLst/>
+          </a:prstGeom>
+        </p:spPr>
+        <p:style>
+          <a:lnRef idx="2">
+            <a:schemeClr val="accent1">
+              <a:shade val="50000"/>
+            </a:schemeClr>
+          </a:lnRef>
+          <a:fillRef idx="1">
+            <a:schemeClr val="accent1"/>
+          </a:fillRef>
+          <a:effectRef idx="0">
+            <a:schemeClr val="accent1"/>
+          </a:effectRef>
+          <a:fontRef idx="minor">
+            <a:schemeClr val="lt1"/>
+          </a:fontRef>
+        </p:style>
+        <p:txBody>
+          <a:bodyPr rtlCol="0" anchor="ctr"/>
+          <a:p>
+            <a:pPr algn="ctr"/>
+            <a:r>
+              <a:rPr lang="zh-CN" altLang="en-US"/>
+              <a:t>已修改</a:t>
+            </a:r>
+            <a:endParaRPr lang="zh-CN" altLang="en-US"/>
+          </a:p>
+        </p:txBody>
+      </p:sp>
     </p:spTree>
-    <p:extLst>
-      <p:ext uri="{BB962C8B-B14F-4D97-AF65-F5344CB8AC3E}">
-        <p14:creationId xmlns:p14="http://schemas.microsoft.com/office/powerpoint/2010/main" val="1766398863"/>
-      </p:ext>
-    </p:extLst>
+  </p:cSld>
+  <p:clrMapOvr>
+    <a:masterClrMapping/>
+  </p:clrMapOvr>
+</p:sld>
+</file>
+
+<file path=ppt/slides/slide10.xml><?xml version="1.0" encoding="utf-8"?>
+<p:sld xmlns:a="http://schemas.openxmlformats.org/drawingml/2006/main" xmlns:r="http://schemas.openxmlformats.org/officeDocument/2006/relationships" xmlns:p="http://schemas.openxmlformats.org/presentationml/2006/main">
+  <p:cSld>
+    <p:spTree>
+      <p:nvGrpSpPr>
+        <p:cNvPr id="1" name=""/>
+        <p:cNvGrpSpPr/>
+        <p:nvPr/>
+      </p:nvGrpSpPr>
+      <p:grpSpPr>
+        <a:xfrm>
+          <a:off x="0" y="0"/>
+          <a:ext cx="0" cy="0"/>
+          <a:chOff x="0" y="0"/>
+          <a:chExt cx="0" cy="0"/>
+        </a:xfrm>
+      </p:grpSpPr>
+      <p:pic>
+        <p:nvPicPr>
+          <p:cNvPr id="2" name="图片 1"/>
+          <p:cNvPicPr>
+            <a:picLocks noChangeAspect="1"/>
+          </p:cNvPicPr>
+          <p:nvPr/>
+        </p:nvPicPr>
+        <p:blipFill>
+          <a:blip r:embed="rId1"/>
+          <a:stretch>
+            <a:fillRect/>
+          </a:stretch>
+        </p:blipFill>
+        <p:spPr>
+          <a:xfrm>
+            <a:off x="138430" y="93345"/>
+            <a:ext cx="5224145" cy="3319145"/>
+          </a:xfrm>
+          <a:prstGeom prst="rect">
+            <a:avLst/>
+          </a:prstGeom>
+        </p:spPr>
+      </p:pic>
+      <p:sp>
+        <p:nvSpPr>
+          <p:cNvPr id="12" name="矩形 11"/>
+          <p:cNvSpPr/>
+          <p:nvPr/>
+        </p:nvSpPr>
+        <p:spPr>
+          <a:xfrm>
+            <a:off x="9978390" y="1388110"/>
+            <a:ext cx="1728470" cy="275590"/>
+          </a:xfrm>
+          <a:prstGeom prst="rect">
+            <a:avLst/>
+          </a:prstGeom>
+        </p:spPr>
+        <p:txBody>
+          <a:bodyPr wrap="square">
+            <a:spAutoFit/>
+          </a:bodyPr>
+          <a:lstStyle/>
+          <a:p>
+            <a:r>
+              <a:rPr lang="zh-CN" altLang="en-US" sz="1200" b="1" smtClean="0">
+                <a:solidFill>
+                  <a:srgbClr val="FF0000"/>
+                </a:solidFill>
+              </a:rPr>
+              <a:t>这几个接口没通</a:t>
+            </a:r>
+            <a:endParaRPr lang="zh-CN" altLang="en-US" sz="1200" b="1" smtClean="0">
+              <a:solidFill>
+                <a:srgbClr val="FF0000"/>
+              </a:solidFill>
+            </a:endParaRPr>
+          </a:p>
+        </p:txBody>
+      </p:sp>
+      <p:pic>
+        <p:nvPicPr>
+          <p:cNvPr id="4" name="图片 3"/>
+          <p:cNvPicPr>
+            <a:picLocks noChangeAspect="1"/>
+          </p:cNvPicPr>
+          <p:nvPr/>
+        </p:nvPicPr>
+        <p:blipFill>
+          <a:blip r:embed="rId2"/>
+          <a:stretch>
+            <a:fillRect/>
+          </a:stretch>
+        </p:blipFill>
+        <p:spPr>
+          <a:xfrm>
+            <a:off x="2315210" y="997585"/>
+            <a:ext cx="4603750" cy="3082925"/>
+          </a:xfrm>
+          <a:prstGeom prst="rect">
+            <a:avLst/>
+          </a:prstGeom>
+        </p:spPr>
+      </p:pic>
+      <p:pic>
+        <p:nvPicPr>
+          <p:cNvPr id="5" name="图片 4"/>
+          <p:cNvPicPr>
+            <a:picLocks noChangeAspect="1"/>
+          </p:cNvPicPr>
+          <p:nvPr/>
+        </p:nvPicPr>
+        <p:blipFill>
+          <a:blip r:embed="rId3"/>
+          <a:stretch>
+            <a:fillRect/>
+          </a:stretch>
+        </p:blipFill>
+        <p:spPr>
+          <a:xfrm>
+            <a:off x="4415790" y="1663700"/>
+            <a:ext cx="4331335" cy="2817495"/>
+          </a:xfrm>
+          <a:prstGeom prst="rect">
+            <a:avLst/>
+          </a:prstGeom>
+        </p:spPr>
+      </p:pic>
+      <p:pic>
+        <p:nvPicPr>
+          <p:cNvPr id="6" name="图片 5"/>
+          <p:cNvPicPr>
+            <a:picLocks noChangeAspect="1"/>
+          </p:cNvPicPr>
+          <p:nvPr/>
+        </p:nvPicPr>
+        <p:blipFill>
+          <a:blip r:embed="rId4"/>
+          <a:stretch>
+            <a:fillRect/>
+          </a:stretch>
+        </p:blipFill>
+        <p:spPr>
+          <a:xfrm>
+            <a:off x="6341745" y="2249170"/>
+            <a:ext cx="3636645" cy="2522855"/>
+          </a:xfrm>
+          <a:prstGeom prst="rect">
+            <a:avLst/>
+          </a:prstGeom>
+        </p:spPr>
+      </p:pic>
+      <p:pic>
+        <p:nvPicPr>
+          <p:cNvPr id="7" name="图片 6"/>
+          <p:cNvPicPr>
+            <a:picLocks noChangeAspect="1"/>
+          </p:cNvPicPr>
+          <p:nvPr/>
+        </p:nvPicPr>
+        <p:blipFill>
+          <a:blip r:embed="rId5"/>
+          <a:stretch>
+            <a:fillRect/>
+          </a:stretch>
+        </p:blipFill>
+        <p:spPr>
+          <a:xfrm>
+            <a:off x="7983855" y="2866390"/>
+            <a:ext cx="4154805" cy="3094990"/>
+          </a:xfrm>
+          <a:prstGeom prst="rect">
+            <a:avLst/>
+          </a:prstGeom>
+        </p:spPr>
+      </p:pic>
+    </p:spTree>
+  </p:cSld>
+  <p:clrMapOvr>
+    <a:masterClrMapping/>
+  </p:clrMapOvr>
+</p:sld>
+</file>
+
+<file path=ppt/slides/slide11.xml><?xml version="1.0" encoding="utf-8"?>
+<p:sld xmlns:a="http://schemas.openxmlformats.org/drawingml/2006/main" xmlns:r="http://schemas.openxmlformats.org/officeDocument/2006/relationships" xmlns:p="http://schemas.openxmlformats.org/presentationml/2006/main">
+  <p:cSld>
+    <p:spTree>
+      <p:nvGrpSpPr>
+        <p:cNvPr id="1" name=""/>
+        <p:cNvGrpSpPr/>
+        <p:nvPr/>
+      </p:nvGrpSpPr>
+      <p:grpSpPr/>
+      <p:pic>
+        <p:nvPicPr>
+          <p:cNvPr id="4" name="图片 3"/>
+          <p:cNvPicPr>
+            <a:picLocks noChangeAspect="1"/>
+          </p:cNvPicPr>
+          <p:nvPr/>
+        </p:nvPicPr>
+        <p:blipFill>
+          <a:blip r:embed="rId1"/>
+          <a:stretch>
+            <a:fillRect/>
+          </a:stretch>
+        </p:blipFill>
+        <p:spPr>
+          <a:xfrm>
+            <a:off x="346710" y="308610"/>
+            <a:ext cx="6282055" cy="5105400"/>
+          </a:xfrm>
+          <a:prstGeom prst="rect">
+            <a:avLst/>
+          </a:prstGeom>
+        </p:spPr>
+      </p:pic>
+      <p:pic>
+        <p:nvPicPr>
+          <p:cNvPr id="5" name="图片 4"/>
+          <p:cNvPicPr>
+            <a:picLocks noChangeAspect="1"/>
+          </p:cNvPicPr>
+          <p:nvPr/>
+        </p:nvPicPr>
+        <p:blipFill>
+          <a:blip r:embed="rId2"/>
+          <a:stretch>
+            <a:fillRect/>
+          </a:stretch>
+        </p:blipFill>
+        <p:spPr>
+          <a:xfrm>
+            <a:off x="6171565" y="1563370"/>
+            <a:ext cx="5003800" cy="4882515"/>
+          </a:xfrm>
+          <a:prstGeom prst="rect">
+            <a:avLst/>
+          </a:prstGeom>
+        </p:spPr>
+      </p:pic>
+      <p:sp>
+        <p:nvSpPr>
+          <p:cNvPr id="12" name="矩形 11"/>
+          <p:cNvSpPr/>
+          <p:nvPr/>
+        </p:nvSpPr>
+        <p:spPr>
+          <a:xfrm>
+            <a:off x="8053070" y="726440"/>
+            <a:ext cx="3447415" cy="460375"/>
+          </a:xfrm>
+          <a:prstGeom prst="rect">
+            <a:avLst/>
+          </a:prstGeom>
+        </p:spPr>
+        <p:txBody>
+          <a:bodyPr wrap="square">
+            <a:spAutoFit/>
+          </a:bodyPr>
+          <a:p>
+            <a:r>
+              <a:rPr lang="zh-CN" altLang="en-US" sz="1200" b="1" smtClean="0">
+                <a:solidFill>
+                  <a:srgbClr val="FF0000"/>
+                </a:solidFill>
+              </a:rPr>
+              <a:t>这两个图片能加个右上角删除吗，不好加也可以用多图上传那个，然后把数量限制成</a:t>
+            </a:r>
+            <a:r>
+              <a:rPr lang="en-US" altLang="zh-CN" sz="1200" b="1" smtClean="0">
+                <a:solidFill>
+                  <a:srgbClr val="FF0000"/>
+                </a:solidFill>
+              </a:rPr>
+              <a:t>1</a:t>
+            </a:r>
+            <a:endParaRPr lang="en-US" altLang="zh-CN" sz="1200" b="1" smtClean="0">
+              <a:solidFill>
+                <a:srgbClr val="FF0000"/>
+              </a:solidFill>
+            </a:endParaRPr>
+          </a:p>
+        </p:txBody>
+      </p:sp>
+    </p:spTree>
+  </p:cSld>
+  <p:clrMapOvr>
+    <a:masterClrMapping/>
+  </p:clrMapOvr>
+</p:sld>
+</file>
+
+<file path=ppt/slides/slide12.xml><?xml version="1.0" encoding="utf-8"?>
+<p:sld xmlns:a="http://schemas.openxmlformats.org/drawingml/2006/main" xmlns:r="http://schemas.openxmlformats.org/officeDocument/2006/relationships" xmlns:p="http://schemas.openxmlformats.org/presentationml/2006/main">
+  <p:cSld>
+    <p:spTree>
+      <p:nvGrpSpPr>
+        <p:cNvPr id="1" name=""/>
+        <p:cNvGrpSpPr/>
+        <p:nvPr/>
+      </p:nvGrpSpPr>
+      <p:grpSpPr/>
+      <p:pic>
+        <p:nvPicPr>
+          <p:cNvPr id="4" name="图片 3"/>
+          <p:cNvPicPr>
+            <a:picLocks noChangeAspect="1"/>
+          </p:cNvPicPr>
+          <p:nvPr/>
+        </p:nvPicPr>
+        <p:blipFill>
+          <a:blip r:embed="rId1"/>
+          <a:stretch>
+            <a:fillRect/>
+          </a:stretch>
+        </p:blipFill>
+        <p:spPr>
+          <a:xfrm>
+            <a:off x="342265" y="285750"/>
+            <a:ext cx="9753600" cy="5495925"/>
+          </a:xfrm>
+          <a:prstGeom prst="rect">
+            <a:avLst/>
+          </a:prstGeom>
+        </p:spPr>
+      </p:pic>
+      <p:sp>
+        <p:nvSpPr>
+          <p:cNvPr id="12" name="矩形 11"/>
+          <p:cNvSpPr/>
+          <p:nvPr/>
+        </p:nvSpPr>
+        <p:spPr>
+          <a:xfrm>
+            <a:off x="10287000" y="1946910"/>
+            <a:ext cx="1720215" cy="460375"/>
+          </a:xfrm>
+          <a:prstGeom prst="rect">
+            <a:avLst/>
+          </a:prstGeom>
+        </p:spPr>
+        <p:txBody>
+          <a:bodyPr wrap="square">
+            <a:spAutoFit/>
+          </a:bodyPr>
+          <a:p>
+            <a:r>
+              <a:rPr lang="zh-CN" altLang="en-US" sz="1200" b="1" smtClean="0">
+                <a:solidFill>
+                  <a:srgbClr val="FF0000"/>
+                </a:solidFill>
+              </a:rPr>
+              <a:t>这两个文本框默认值就用这个，方便他们改</a:t>
+            </a:r>
+            <a:endParaRPr lang="zh-CN" altLang="en-US" sz="1200" b="1" smtClean="0">
+              <a:solidFill>
+                <a:srgbClr val="FF0000"/>
+              </a:solidFill>
+            </a:endParaRPr>
+          </a:p>
+        </p:txBody>
+      </p:sp>
+      <p:sp>
+        <p:nvSpPr>
+          <p:cNvPr id="5" name="文本框 4"/>
+          <p:cNvSpPr txBox="1"/>
+          <p:nvPr/>
+        </p:nvSpPr>
+        <p:spPr>
+          <a:xfrm>
+            <a:off x="10412095" y="3060700"/>
+            <a:ext cx="1595120" cy="2030095"/>
+          </a:xfrm>
+          <a:prstGeom prst="rect">
+            <a:avLst/>
+          </a:prstGeom>
+          <a:noFill/>
+        </p:spPr>
+        <p:txBody>
+          <a:bodyPr wrap="square" rtlCol="0" anchor="t">
+            <a:spAutoFit/>
+          </a:bodyPr>
+          <a:p>
+            <a:r>
+              <a:rPr lang="zh-CN" altLang="en-US" sz="900"/>
+              <a:t>09:00-11:00=4,</a:t>
+            </a:r>
+            <a:endParaRPr lang="zh-CN" altLang="en-US" sz="900"/>
+          </a:p>
+          <a:p>
+            <a:r>
+              <a:rPr lang="zh-CN" altLang="en-US" sz="900"/>
+              <a:t>11:00-12:00=3,</a:t>
+            </a:r>
+            <a:endParaRPr lang="zh-CN" altLang="en-US" sz="900"/>
+          </a:p>
+          <a:p>
+            <a:r>
+              <a:rPr lang="zh-CN" altLang="en-US" sz="900"/>
+              <a:t>12:00-13:00=2,</a:t>
+            </a:r>
+            <a:endParaRPr lang="zh-CN" altLang="en-US" sz="900"/>
+          </a:p>
+          <a:p>
+            <a:r>
+              <a:rPr lang="zh-CN" altLang="en-US" sz="900"/>
+              <a:t>13:00-14:00=3,</a:t>
+            </a:r>
+            <a:endParaRPr lang="zh-CN" altLang="en-US" sz="900"/>
+          </a:p>
+          <a:p>
+            <a:r>
+              <a:rPr lang="zh-CN" altLang="en-US" sz="900"/>
+              <a:t>14:00-15:30=4,</a:t>
+            </a:r>
+            <a:endParaRPr lang="zh-CN" altLang="en-US" sz="900"/>
+          </a:p>
+          <a:p>
+            <a:r>
+              <a:rPr lang="zh-CN" altLang="en-US" sz="900"/>
+              <a:t>15:30-17:00=2</a:t>
+            </a:r>
+            <a:endParaRPr lang="zh-CN" altLang="en-US" sz="900"/>
+          </a:p>
+          <a:p>
+            <a:endParaRPr lang="zh-CN" altLang="en-US" sz="900"/>
+          </a:p>
+          <a:p>
+            <a:endParaRPr lang="zh-CN" altLang="en-US" sz="900"/>
+          </a:p>
+          <a:p>
+            <a:r>
+              <a:rPr lang="zh-CN" altLang="en-US" sz="900"/>
+              <a:t>周一=4,</a:t>
+            </a:r>
+            <a:endParaRPr lang="zh-CN" altLang="en-US" sz="900"/>
+          </a:p>
+          <a:p>
+            <a:r>
+              <a:rPr lang="zh-CN" altLang="en-US" sz="900"/>
+              <a:t>周二=3,</a:t>
+            </a:r>
+            <a:endParaRPr lang="zh-CN" altLang="en-US" sz="900"/>
+          </a:p>
+          <a:p>
+            <a:r>
+              <a:rPr lang="zh-CN" altLang="en-US" sz="900"/>
+              <a:t>周三=3,</a:t>
+            </a:r>
+            <a:endParaRPr lang="zh-CN" altLang="en-US" sz="900"/>
+          </a:p>
+          <a:p>
+            <a:r>
+              <a:rPr lang="zh-CN" altLang="en-US" sz="900"/>
+              <a:t>周四=2,</a:t>
+            </a:r>
+            <a:endParaRPr lang="zh-CN" altLang="en-US" sz="900"/>
+          </a:p>
+          <a:p>
+            <a:r>
+              <a:rPr lang="zh-CN" altLang="en-US" sz="900"/>
+              <a:t>周五=3,</a:t>
+            </a:r>
+            <a:endParaRPr lang="zh-CN" altLang="en-US" sz="900"/>
+          </a:p>
+          <a:p>
+            <a:r>
+              <a:rPr lang="zh-CN" altLang="en-US" sz="900"/>
+              <a:t>周日=1,</a:t>
+            </a:r>
+            <a:endParaRPr lang="zh-CN" altLang="en-US" sz="900"/>
+          </a:p>
+        </p:txBody>
+      </p:sp>
+    </p:spTree>
+  </p:cSld>
+  <p:clrMapOvr>
+    <a:masterClrMapping/>
+  </p:clrMapOvr>
+</p:sld>
+</file>
+
+<file path=ppt/slides/slide13.xml><?xml version="1.0" encoding="utf-8"?>
+<p:sld xmlns:a="http://schemas.openxmlformats.org/drawingml/2006/main" xmlns:r="http://schemas.openxmlformats.org/officeDocument/2006/relationships" xmlns:p="http://schemas.openxmlformats.org/presentationml/2006/main">
+  <p:cSld>
+    <p:spTree>
+      <p:nvGrpSpPr>
+        <p:cNvPr id="1" name=""/>
+        <p:cNvGrpSpPr/>
+        <p:nvPr/>
+      </p:nvGrpSpPr>
+      <p:grpSpPr/>
+      <p:pic>
+        <p:nvPicPr>
+          <p:cNvPr id="4" name="图片 3"/>
+          <p:cNvPicPr>
+            <a:picLocks noChangeAspect="1"/>
+          </p:cNvPicPr>
+          <p:nvPr/>
+        </p:nvPicPr>
+        <p:blipFill>
+          <a:blip r:embed="rId1"/>
+          <a:stretch>
+            <a:fillRect/>
+          </a:stretch>
+        </p:blipFill>
+        <p:spPr>
+          <a:xfrm>
+            <a:off x="318770" y="120650"/>
+            <a:ext cx="10871200" cy="4273550"/>
+          </a:xfrm>
+          <a:prstGeom prst="rect">
+            <a:avLst/>
+          </a:prstGeom>
+        </p:spPr>
+      </p:pic>
+      <p:sp>
+        <p:nvSpPr>
+          <p:cNvPr id="12" name="矩形 11"/>
+          <p:cNvSpPr/>
+          <p:nvPr/>
+        </p:nvSpPr>
+        <p:spPr>
+          <a:xfrm>
+            <a:off x="483235" y="1275715"/>
+            <a:ext cx="2094230" cy="275590"/>
+          </a:xfrm>
+          <a:prstGeom prst="rect">
+            <a:avLst/>
+          </a:prstGeom>
+        </p:spPr>
+        <p:txBody>
+          <a:bodyPr wrap="square">
+            <a:spAutoFit/>
+          </a:bodyPr>
+          <a:p>
+            <a:r>
+              <a:rPr lang="zh-CN" altLang="en-US" sz="1200" b="1" smtClean="0">
+                <a:solidFill>
+                  <a:srgbClr val="FF0000"/>
+                </a:solidFill>
+              </a:rPr>
+              <a:t>网点账号登录不要这个菜单</a:t>
+            </a:r>
+            <a:endParaRPr lang="zh-CN" altLang="en-US" sz="1200" b="1" smtClean="0">
+              <a:solidFill>
+                <a:srgbClr val="FF0000"/>
+              </a:solidFill>
+            </a:endParaRPr>
+          </a:p>
+        </p:txBody>
+      </p:sp>
+      <p:sp>
+        <p:nvSpPr>
+          <p:cNvPr id="5" name="矩形 4"/>
+          <p:cNvSpPr/>
+          <p:nvPr/>
+        </p:nvSpPr>
+        <p:spPr>
+          <a:xfrm>
+            <a:off x="318770" y="641350"/>
+            <a:ext cx="902335" cy="344170"/>
+          </a:xfrm>
+          <a:prstGeom prst="rect">
+            <a:avLst/>
+          </a:prstGeom>
+          <a:noFill/>
+          <a:ln w="25400">
+            <a:solidFill>
+              <a:srgbClr val="FF0000"/>
+            </a:solidFill>
+          </a:ln>
+        </p:spPr>
+        <p:style>
+          <a:lnRef idx="2">
+            <a:schemeClr val="accent3"/>
+          </a:lnRef>
+          <a:fillRef idx="1">
+            <a:schemeClr val="lt1"/>
+          </a:fillRef>
+          <a:effectRef idx="0">
+            <a:schemeClr val="accent3"/>
+          </a:effectRef>
+          <a:fontRef idx="minor">
+            <a:schemeClr val="dk1"/>
+          </a:fontRef>
+        </p:style>
+        <p:txBody>
+          <a:bodyPr rtlCol="0" anchor="ctr"/>
+          <a:p>
+            <a:pPr algn="ctr"/>
+            <a:endParaRPr lang="zh-CN" altLang="en-US"/>
+          </a:p>
+        </p:txBody>
+      </p:sp>
+    </p:spTree>
   </p:cSld>
   <p:clrMapOvr>
     <a:masterClrMapping/>
@@ -3080,7 +3678,7 @@
           <p:nvPr/>
         </p:nvPicPr>
         <p:blipFill>
-          <a:blip r:embed="rId2"/>
+          <a:blip r:embed="rId1"/>
           <a:stretch>
             <a:fillRect/>
           </a:stretch>
@@ -3184,7 +3782,7 @@
           <p:nvPr/>
         </p:nvPicPr>
         <p:blipFill>
-          <a:blip r:embed="rId3"/>
+          <a:blip r:embed="rId2"/>
           <a:stretch>
             <a:fillRect/>
           </a:stretch>
@@ -3239,12 +3837,50 @@
           </a:p>
         </p:txBody>
       </p:sp>
+      <p:sp>
+        <p:nvSpPr>
+          <p:cNvPr id="4" name="矩形 3"/>
+          <p:cNvSpPr/>
+          <p:nvPr/>
+        </p:nvSpPr>
+        <p:spPr>
+          <a:xfrm>
+            <a:off x="4955540" y="918845"/>
+            <a:ext cx="5354320" cy="4881880"/>
+          </a:xfrm>
+          <a:prstGeom prst="rect">
+            <a:avLst/>
+          </a:prstGeom>
+        </p:spPr>
+        <p:style>
+          <a:lnRef idx="2">
+            <a:schemeClr val="accent1">
+              <a:shade val="50000"/>
+            </a:schemeClr>
+          </a:lnRef>
+          <a:fillRef idx="1">
+            <a:schemeClr val="accent1"/>
+          </a:fillRef>
+          <a:effectRef idx="0">
+            <a:schemeClr val="accent1"/>
+          </a:effectRef>
+          <a:fontRef idx="minor">
+            <a:schemeClr val="lt1"/>
+          </a:fontRef>
+        </p:style>
+        <p:txBody>
+          <a:bodyPr rtlCol="0" anchor="ctr"/>
+          <a:p>
+            <a:pPr algn="ctr"/>
+            <a:r>
+              <a:rPr lang="zh-CN" altLang="en-US"/>
+              <a:t>已修改</a:t>
+            </a:r>
+            <a:endParaRPr lang="zh-CN" altLang="en-US"/>
+          </a:p>
+        </p:txBody>
+      </p:sp>
     </p:spTree>
-    <p:extLst>
-      <p:ext uri="{BB962C8B-B14F-4D97-AF65-F5344CB8AC3E}">
-        <p14:creationId xmlns:p14="http://schemas.microsoft.com/office/powerpoint/2010/main" val="187929509"/>
-      </p:ext>
-    </p:extLst>
   </p:cSld>
   <p:clrMapOvr>
     <a:masterClrMapping/>
@@ -3278,7 +3914,7 @@
           <p:nvPr/>
         </p:nvPicPr>
         <p:blipFill>
-          <a:blip r:embed="rId2"/>
+          <a:blip r:embed="rId1"/>
           <a:stretch>
             <a:fillRect/>
           </a:stretch>
@@ -3333,12 +3969,50 @@
           </a:p>
         </p:txBody>
       </p:sp>
+      <p:sp>
+        <p:nvSpPr>
+          <p:cNvPr id="2" name="矩形 1"/>
+          <p:cNvSpPr/>
+          <p:nvPr/>
+        </p:nvSpPr>
+        <p:spPr>
+          <a:xfrm>
+            <a:off x="4955540" y="918845"/>
+            <a:ext cx="5354320" cy="4881880"/>
+          </a:xfrm>
+          <a:prstGeom prst="rect">
+            <a:avLst/>
+          </a:prstGeom>
+        </p:spPr>
+        <p:style>
+          <a:lnRef idx="2">
+            <a:schemeClr val="accent1">
+              <a:shade val="50000"/>
+            </a:schemeClr>
+          </a:lnRef>
+          <a:fillRef idx="1">
+            <a:schemeClr val="accent1"/>
+          </a:fillRef>
+          <a:effectRef idx="0">
+            <a:schemeClr val="accent1"/>
+          </a:effectRef>
+          <a:fontRef idx="minor">
+            <a:schemeClr val="lt1"/>
+          </a:fontRef>
+        </p:style>
+        <p:txBody>
+          <a:bodyPr rtlCol="0" anchor="ctr"/>
+          <a:p>
+            <a:pPr algn="ctr"/>
+            <a:r>
+              <a:rPr lang="zh-CN" altLang="en-US"/>
+              <a:t>已修改</a:t>
+            </a:r>
+            <a:endParaRPr lang="zh-CN" altLang="en-US"/>
+          </a:p>
+        </p:txBody>
+      </p:sp>
     </p:spTree>
-    <p:extLst>
-      <p:ext uri="{BB962C8B-B14F-4D97-AF65-F5344CB8AC3E}">
-        <p14:creationId xmlns:p14="http://schemas.microsoft.com/office/powerpoint/2010/main" val="923344094"/>
-      </p:ext>
-    </p:extLst>
   </p:cSld>
   <p:clrMapOvr>
     <a:masterClrMapping/>
@@ -3372,7 +4046,7 @@
           <p:nvPr/>
         </p:nvPicPr>
         <p:blipFill>
-          <a:blip r:embed="rId2"/>
+          <a:blip r:embed="rId1"/>
           <a:stretch>
             <a:fillRect/>
           </a:stretch>
@@ -3490,12 +4164,50 @@
           </a:p>
         </p:txBody>
       </p:sp>
+      <p:sp>
+        <p:nvSpPr>
+          <p:cNvPr id="3" name="矩形 2"/>
+          <p:cNvSpPr/>
+          <p:nvPr/>
+        </p:nvSpPr>
+        <p:spPr>
+          <a:xfrm>
+            <a:off x="4955540" y="918845"/>
+            <a:ext cx="5354320" cy="4881880"/>
+          </a:xfrm>
+          <a:prstGeom prst="rect">
+            <a:avLst/>
+          </a:prstGeom>
+        </p:spPr>
+        <p:style>
+          <a:lnRef idx="2">
+            <a:schemeClr val="accent1">
+              <a:shade val="50000"/>
+            </a:schemeClr>
+          </a:lnRef>
+          <a:fillRef idx="1">
+            <a:schemeClr val="accent1"/>
+          </a:fillRef>
+          <a:effectRef idx="0">
+            <a:schemeClr val="accent1"/>
+          </a:effectRef>
+          <a:fontRef idx="minor">
+            <a:schemeClr val="lt1"/>
+          </a:fontRef>
+        </p:style>
+        <p:txBody>
+          <a:bodyPr rtlCol="0" anchor="ctr"/>
+          <a:p>
+            <a:pPr algn="ctr"/>
+            <a:r>
+              <a:rPr lang="zh-CN" altLang="en-US"/>
+              <a:t>已修改</a:t>
+            </a:r>
+            <a:endParaRPr lang="zh-CN" altLang="en-US"/>
+          </a:p>
+        </p:txBody>
+      </p:sp>
     </p:spTree>
-    <p:extLst>
-      <p:ext uri="{BB962C8B-B14F-4D97-AF65-F5344CB8AC3E}">
-        <p14:creationId xmlns:p14="http://schemas.microsoft.com/office/powerpoint/2010/main" val="759284860"/>
-      </p:ext>
-    </p:extLst>
   </p:cSld>
   <p:clrMapOvr>
     <a:masterClrMapping/>
@@ -3529,7 +4241,7 @@
           <p:nvPr/>
         </p:nvPicPr>
         <p:blipFill>
-          <a:blip r:embed="rId2"/>
+          <a:blip r:embed="rId1"/>
           <a:stretch>
             <a:fillRect/>
           </a:stretch>
@@ -3553,7 +4265,7 @@
           <p:nvPr/>
         </p:nvPicPr>
         <p:blipFill>
-          <a:blip r:embed="rId3"/>
+          <a:blip r:embed="rId2"/>
           <a:stretch>
             <a:fillRect/>
           </a:stretch>
@@ -3608,12 +4320,50 @@
           </a:p>
         </p:txBody>
       </p:sp>
+      <p:sp>
+        <p:nvSpPr>
+          <p:cNvPr id="2" name="矩形 1"/>
+          <p:cNvSpPr/>
+          <p:nvPr/>
+        </p:nvSpPr>
+        <p:spPr>
+          <a:xfrm>
+            <a:off x="4955540" y="918845"/>
+            <a:ext cx="5354320" cy="4881880"/>
+          </a:xfrm>
+          <a:prstGeom prst="rect">
+            <a:avLst/>
+          </a:prstGeom>
+        </p:spPr>
+        <p:style>
+          <a:lnRef idx="2">
+            <a:schemeClr val="accent1">
+              <a:shade val="50000"/>
+            </a:schemeClr>
+          </a:lnRef>
+          <a:fillRef idx="1">
+            <a:schemeClr val="accent1"/>
+          </a:fillRef>
+          <a:effectRef idx="0">
+            <a:schemeClr val="accent1"/>
+          </a:effectRef>
+          <a:fontRef idx="minor">
+            <a:schemeClr val="lt1"/>
+          </a:fontRef>
+        </p:style>
+        <p:txBody>
+          <a:bodyPr rtlCol="0" anchor="ctr"/>
+          <a:p>
+            <a:pPr algn="ctr"/>
+            <a:r>
+              <a:rPr lang="zh-CN" altLang="en-US"/>
+              <a:t>已修改</a:t>
+            </a:r>
+            <a:endParaRPr lang="zh-CN" altLang="en-US"/>
+          </a:p>
+        </p:txBody>
+      </p:sp>
     </p:spTree>
-    <p:extLst>
-      <p:ext uri="{BB962C8B-B14F-4D97-AF65-F5344CB8AC3E}">
-        <p14:creationId xmlns:p14="http://schemas.microsoft.com/office/powerpoint/2010/main" val="1942480705"/>
-      </p:ext>
-    </p:extLst>
   </p:cSld>
   <p:clrMapOvr>
     <a:masterClrMapping/>
@@ -3647,7 +4397,7 @@
           <p:nvPr/>
         </p:nvPicPr>
         <p:blipFill>
-          <a:blip r:embed="rId2"/>
+          <a:blip r:embed="rId1"/>
           <a:stretch>
             <a:fillRect/>
           </a:stretch>
@@ -3671,7 +4421,7 @@
           <p:nvPr/>
         </p:nvPicPr>
         <p:blipFill>
-          <a:blip r:embed="rId3"/>
+          <a:blip r:embed="rId2"/>
           <a:stretch>
             <a:fillRect/>
           </a:stretch>
@@ -3726,12 +4476,50 @@
           </a:p>
         </p:txBody>
       </p:sp>
+      <p:sp>
+        <p:nvSpPr>
+          <p:cNvPr id="2" name="矩形 1"/>
+          <p:cNvSpPr/>
+          <p:nvPr/>
+        </p:nvSpPr>
+        <p:spPr>
+          <a:xfrm>
+            <a:off x="4955540" y="918845"/>
+            <a:ext cx="5354320" cy="4881880"/>
+          </a:xfrm>
+          <a:prstGeom prst="rect">
+            <a:avLst/>
+          </a:prstGeom>
+        </p:spPr>
+        <p:style>
+          <a:lnRef idx="2">
+            <a:schemeClr val="accent1">
+              <a:shade val="50000"/>
+            </a:schemeClr>
+          </a:lnRef>
+          <a:fillRef idx="1">
+            <a:schemeClr val="accent1"/>
+          </a:fillRef>
+          <a:effectRef idx="0">
+            <a:schemeClr val="accent1"/>
+          </a:effectRef>
+          <a:fontRef idx="minor">
+            <a:schemeClr val="lt1"/>
+          </a:fontRef>
+        </p:style>
+        <p:txBody>
+          <a:bodyPr rtlCol="0" anchor="ctr"/>
+          <a:p>
+            <a:pPr algn="ctr"/>
+            <a:r>
+              <a:rPr lang="zh-CN" altLang="en-US"/>
+              <a:t>已修改</a:t>
+            </a:r>
+            <a:endParaRPr lang="zh-CN" altLang="en-US"/>
+          </a:p>
+        </p:txBody>
+      </p:sp>
     </p:spTree>
-    <p:extLst>
-      <p:ext uri="{BB962C8B-B14F-4D97-AF65-F5344CB8AC3E}">
-        <p14:creationId xmlns:p14="http://schemas.microsoft.com/office/powerpoint/2010/main" val="3455980439"/>
-      </p:ext>
-    </p:extLst>
   </p:cSld>
   <p:clrMapOvr>
     <a:masterClrMapping/>
@@ -3805,7 +4593,7 @@
           <p:nvPr/>
         </p:nvPicPr>
         <p:blipFill>
-          <a:blip r:embed="rId2"/>
+          <a:blip r:embed="rId1"/>
           <a:stretch>
             <a:fillRect/>
           </a:stretch>
@@ -3820,12 +4608,50 @@
           </a:prstGeom>
         </p:spPr>
       </p:pic>
+      <p:sp>
+        <p:nvSpPr>
+          <p:cNvPr id="3" name="矩形 2"/>
+          <p:cNvSpPr/>
+          <p:nvPr/>
+        </p:nvSpPr>
+        <p:spPr>
+          <a:xfrm>
+            <a:off x="4955540" y="918845"/>
+            <a:ext cx="5354320" cy="4881880"/>
+          </a:xfrm>
+          <a:prstGeom prst="rect">
+            <a:avLst/>
+          </a:prstGeom>
+        </p:spPr>
+        <p:style>
+          <a:lnRef idx="2">
+            <a:schemeClr val="accent1">
+              <a:shade val="50000"/>
+            </a:schemeClr>
+          </a:lnRef>
+          <a:fillRef idx="1">
+            <a:schemeClr val="accent1"/>
+          </a:fillRef>
+          <a:effectRef idx="0">
+            <a:schemeClr val="accent1"/>
+          </a:effectRef>
+          <a:fontRef idx="minor">
+            <a:schemeClr val="lt1"/>
+          </a:fontRef>
+        </p:style>
+        <p:txBody>
+          <a:bodyPr rtlCol="0" anchor="ctr"/>
+          <a:p>
+            <a:pPr algn="ctr"/>
+            <a:r>
+              <a:rPr lang="zh-CN" altLang="en-US"/>
+              <a:t>已修改</a:t>
+            </a:r>
+            <a:endParaRPr lang="zh-CN" altLang="en-US"/>
+          </a:p>
+        </p:txBody>
+      </p:sp>
     </p:spTree>
-    <p:extLst>
-      <p:ext uri="{BB962C8B-B14F-4D97-AF65-F5344CB8AC3E}">
-        <p14:creationId xmlns:p14="http://schemas.microsoft.com/office/powerpoint/2010/main" val="111646850"/>
-      </p:ext>
-    </p:extLst>
   </p:cSld>
   <p:clrMapOvr>
     <a:masterClrMapping/>
@@ -3859,7 +4685,7 @@
           <p:nvPr/>
         </p:nvPicPr>
         <p:blipFill>
-          <a:blip r:embed="rId2"/>
+          <a:blip r:embed="rId1"/>
           <a:stretch>
             <a:fillRect/>
           </a:stretch>
@@ -4098,12 +4924,136 @@
           </a:p>
         </p:txBody>
       </p:sp>
+      <p:sp>
+        <p:nvSpPr>
+          <p:cNvPr id="2" name="矩形 1"/>
+          <p:cNvSpPr/>
+          <p:nvPr/>
+        </p:nvSpPr>
+        <p:spPr>
+          <a:xfrm>
+            <a:off x="4955540" y="918845"/>
+            <a:ext cx="5354320" cy="4881880"/>
+          </a:xfrm>
+          <a:prstGeom prst="rect">
+            <a:avLst/>
+          </a:prstGeom>
+        </p:spPr>
+        <p:style>
+          <a:lnRef idx="2">
+            <a:schemeClr val="accent1">
+              <a:shade val="50000"/>
+            </a:schemeClr>
+          </a:lnRef>
+          <a:fillRef idx="1">
+            <a:schemeClr val="accent1"/>
+          </a:fillRef>
+          <a:effectRef idx="0">
+            <a:schemeClr val="accent1"/>
+          </a:effectRef>
+          <a:fontRef idx="minor">
+            <a:schemeClr val="lt1"/>
+          </a:fontRef>
+        </p:style>
+        <p:txBody>
+          <a:bodyPr rtlCol="0" anchor="ctr"/>
+          <a:p>
+            <a:pPr algn="ctr"/>
+            <a:r>
+              <a:rPr lang="zh-CN" altLang="en-US"/>
+              <a:t>已修改</a:t>
+            </a:r>
+            <a:endParaRPr lang="zh-CN" altLang="en-US"/>
+          </a:p>
+        </p:txBody>
+      </p:sp>
     </p:spTree>
-    <p:extLst>
-      <p:ext uri="{BB962C8B-B14F-4D97-AF65-F5344CB8AC3E}">
-        <p14:creationId xmlns:p14="http://schemas.microsoft.com/office/powerpoint/2010/main" val="1643592326"/>
-      </p:ext>
-    </p:extLst>
+  </p:cSld>
+  <p:clrMapOvr>
+    <a:masterClrMapping/>
+  </p:clrMapOvr>
+</p:sld>
+</file>
+
+<file path=ppt/slides/slide9.xml><?xml version="1.0" encoding="utf-8"?>
+<p:sld xmlns:a="http://schemas.openxmlformats.org/drawingml/2006/main" xmlns:r="http://schemas.openxmlformats.org/officeDocument/2006/relationships" xmlns:p="http://schemas.openxmlformats.org/presentationml/2006/main">
+  <p:cSld>
+    <p:spTree>
+      <p:nvGrpSpPr>
+        <p:cNvPr id="1" name=""/>
+        <p:cNvGrpSpPr/>
+        <p:nvPr/>
+      </p:nvGrpSpPr>
+      <p:grpSpPr>
+        <a:xfrm>
+          <a:off x="0" y="0"/>
+          <a:ext cx="0" cy="0"/>
+          <a:chOff x="0" y="0"/>
+          <a:chExt cx="0" cy="0"/>
+        </a:xfrm>
+      </p:grpSpPr>
+      <p:sp>
+        <p:nvSpPr>
+          <p:cNvPr id="12" name="矩形 11"/>
+          <p:cNvSpPr/>
+          <p:nvPr/>
+        </p:nvSpPr>
+        <p:spPr>
+          <a:xfrm>
+            <a:off x="6910705" y="1388110"/>
+            <a:ext cx="4796155" cy="275590"/>
+          </a:xfrm>
+          <a:prstGeom prst="rect">
+            <a:avLst/>
+          </a:prstGeom>
+        </p:spPr>
+        <p:txBody>
+          <a:bodyPr wrap="square">
+            <a:spAutoFit/>
+          </a:bodyPr>
+          <a:lstStyle/>
+          <a:p>
+            <a:r>
+              <a:rPr lang="zh-CN" altLang="en-US" sz="1200" b="1" smtClean="0">
+                <a:solidFill>
+                  <a:srgbClr val="FF0000"/>
+                </a:solidFill>
+              </a:rPr>
+              <a:t>科室改了，没入库</a:t>
+            </a:r>
+            <a:endParaRPr lang="zh-CN" altLang="en-US" sz="1200" b="1" smtClean="0">
+              <a:solidFill>
+                <a:srgbClr val="FF0000"/>
+              </a:solidFill>
+            </a:endParaRPr>
+          </a:p>
+        </p:txBody>
+      </p:sp>
+      <p:pic>
+        <p:nvPicPr>
+          <p:cNvPr id="3" name="图片 2"/>
+          <p:cNvPicPr>
+            <a:picLocks noChangeAspect="1"/>
+          </p:cNvPicPr>
+          <p:nvPr/>
+        </p:nvPicPr>
+        <p:blipFill>
+          <a:blip r:embed="rId1"/>
+          <a:stretch>
+            <a:fillRect/>
+          </a:stretch>
+        </p:blipFill>
+        <p:spPr>
+          <a:xfrm>
+            <a:off x="325755" y="1031875"/>
+            <a:ext cx="6025515" cy="4793615"/>
+          </a:xfrm>
+          <a:prstGeom prst="rect">
+            <a:avLst/>
+          </a:prstGeom>
+        </p:spPr>
+      </p:pic>
+    </p:spTree>
   </p:cSld>
   <p:clrMapOvr>
     <a:masterClrMapping/>
@@ -4154,7 +5104,7 @@
     </a:clrScheme>
     <a:fontScheme name="Office">
       <a:majorFont>
-        <a:latin typeface="等线 Light" panose="020F0302020204030204"/>
+        <a:latin typeface="等线 Light"/>
         <a:ea typeface=""/>
         <a:cs typeface=""/>
         <a:font script="Jpan" typeface="游ゴシック Light"/>
@@ -4189,7 +5139,7 @@
         <a:font script="Geor" typeface="Sylfaen"/>
       </a:majorFont>
       <a:minorFont>
-        <a:latin typeface="等线" panose="020F0502020204030204"/>
+        <a:latin typeface="等线"/>
         <a:ea typeface=""/>
         <a:cs typeface=""/>
         <a:font script="Jpan" typeface="游ゴシック"/>
@@ -4362,8 +5312,6 @@
       </a:bgFillStyleLst>
     </a:fmtScheme>
   </a:themeElements>
-  <a:objectDefaults/>
-  <a:extraClrSchemeLst/>
   <a:extLst>
     <a:ext uri="{05A4C25C-085E-4340-85A3-A5531E510DB2}">
       <thm15:themeFamily xmlns:thm15="http://schemas.microsoft.com/office/thememl/2012/main" name="Office Theme" id="{62F939B6-93AF-4DB8-9C6B-D6C7DFDC589F}" vid="{4A3C46E8-61CC-4603-A589-7422A47A8E4A}"/>
